--- a/tweet_data/media/HIP/HIP20.pptx
+++ b/tweet_data/media/HIP/HIP20.pptx
@@ -214,7 +214,7 @@
           <a:p>
             <a:fld id="{762B48F5-BACC-47D6-A0F7-82FBF9C6BC85}" type="datetimeFigureOut">
               <a:rPr lang="en-US"/>
-              <a:t>11/17/2021</a:t>
+              <a:t>11/26/2021</a:t>
             </a:fld>
             <a:endParaRPr/>
           </a:p>
@@ -379,7 +379,7 @@
           <a:p>
             <a:fld id="{0CB1CD00-5424-4675-AB18-2C419B060449}" type="datetimeFigureOut">
               <a:rPr lang="en-US"/>
-              <a:t>11/17/2021</a:t>
+              <a:t>11/26/2021</a:t>
             </a:fld>
             <a:endParaRPr/>
           </a:p>
@@ -1016,7 +1016,7 @@
           <a:p>
             <a:fld id="{37CC0096-1860-4642-9CD2-0079EA5E7CD1}" type="datetimeFigureOut">
               <a:rPr lang="en-US" smtClean="0"/>
-              <a:t>11/17/2021</a:t>
+              <a:t>11/26/2021</a:t>
             </a:fld>
             <a:endParaRPr lang="en-US"/>
           </a:p>
@@ -1196,7 +1196,7 @@
           <a:p>
             <a:fld id="{37CC0096-1860-4642-9CD2-0079EA5E7CD1}" type="datetimeFigureOut">
               <a:rPr lang="en-US" smtClean="0"/>
-              <a:t>11/17/2021</a:t>
+              <a:t>11/26/2021</a:t>
             </a:fld>
             <a:endParaRPr lang="en-US"/>
           </a:p>
@@ -1370,7 +1370,7 @@
           <a:p>
             <a:fld id="{37CC0096-1860-4642-9CD2-0079EA5E7CD1}" type="datetimeFigureOut">
               <a:rPr lang="en-US" smtClean="0"/>
-              <a:t>11/17/2021</a:t>
+              <a:t>11/26/2021</a:t>
             </a:fld>
             <a:endParaRPr lang="en-US"/>
           </a:p>
@@ -1805,7 +1805,7 @@
           <a:p>
             <a:fld id="{37CC0096-1860-4642-9CD2-0079EA5E7CD1}" type="datetimeFigureOut">
               <a:rPr lang="en-US" smtClean="0"/>
-              <a:t>11/17/2021</a:t>
+              <a:t>11/26/2021</a:t>
             </a:fld>
             <a:endParaRPr lang="en-US"/>
           </a:p>
@@ -2245,7 +2245,7 @@
           <a:p>
             <a:fld id="{37CC0096-1860-4642-9CD2-0079EA5E7CD1}" type="datetimeFigureOut">
               <a:rPr lang="en-US" smtClean="0"/>
-              <a:t>11/17/2021</a:t>
+              <a:t>11/26/2021</a:t>
             </a:fld>
             <a:endParaRPr lang="en-US"/>
           </a:p>
@@ -2363,7 +2363,7 @@
           <a:p>
             <a:fld id="{37CC0096-1860-4642-9CD2-0079EA5E7CD1}" type="datetimeFigureOut">
               <a:rPr lang="en-US" smtClean="0"/>
-              <a:t>11/17/2021</a:t>
+              <a:t>11/26/2021</a:t>
             </a:fld>
             <a:endParaRPr lang="en-US"/>
           </a:p>
@@ -2458,7 +2458,7 @@
           <a:p>
             <a:fld id="{37CC0096-1860-4642-9CD2-0079EA5E7CD1}" type="datetimeFigureOut">
               <a:rPr lang="en-US" smtClean="0"/>
-              <a:t>11/17/2021</a:t>
+              <a:t>11/26/2021</a:t>
             </a:fld>
             <a:endParaRPr lang="en-US"/>
           </a:p>
@@ -2742,7 +2742,7 @@
           <a:p>
             <a:fld id="{37CC0096-1860-4642-9CD2-0079EA5E7CD1}" type="datetimeFigureOut">
               <a:rPr lang="en-US" smtClean="0"/>
-              <a:t>11/17/2021</a:t>
+              <a:t>11/26/2021</a:t>
             </a:fld>
             <a:endParaRPr lang="en-US"/>
           </a:p>
@@ -3055,7 +3055,7 @@
           <a:p>
             <a:fld id="{37CC0096-1860-4642-9CD2-0079EA5E7CD1}" type="datetimeFigureOut">
               <a:rPr lang="en-US" smtClean="0"/>
-              <a:t>11/17/2021</a:t>
+              <a:t>11/26/2021</a:t>
             </a:fld>
             <a:endParaRPr lang="en-US"/>
           </a:p>
@@ -3317,7 +3317,7 @@
             <a:fld id="{37CC0096-1860-4642-9CD2-0079EA5E7CD1}" type="datetimeFigureOut">
               <a:rPr lang="en-US" smtClean="0"/>
               <a:pPr/>
-              <a:t>11/17/2021</a:t>
+              <a:t>11/26/2021</a:t>
             </a:fld>
             <a:endParaRPr lang="en-US"/>
           </a:p>
@@ -3894,15 +3894,7 @@
                   <a:schemeClr val="tx1"/>
                 </a:solidFill>
               </a:rPr>
-              <a:t>Background : </a:t>
-            </a:r>
-            <a:r>
-              <a:rPr lang="en-US" dirty="0">
-                <a:solidFill>
-                  <a:schemeClr val="tx1"/>
-                </a:solidFill>
-              </a:rPr>
-              <a:t>We have had many small delegators from all sides asking to have decimals added to their staking portfolio. The Dashboard should be able to at least display rewards for delegators that are staking the minimum of 100 One tokens.</a:t>
+              <a:t>Background : We have had many small delegators from all sides asking to have decimals added to their staking portfolio. The Dashboard should be able to at least display rewards for delegators that are staking the minimum of 100 One tokens.</a:t>
             </a:r>
           </a:p>
           <a:p>
@@ -3966,11 +3958,6 @@
               </a:rPr>
               <a:t> has found that the coding to implement this is inside of GitHub, but it needs a pull request. </a:t>
             </a:r>
-            <a:endParaRPr lang="en-US" dirty="0">
-              <a:solidFill>
-                <a:schemeClr val="tx1"/>
-              </a:solidFill>
-            </a:endParaRPr>
           </a:p>
         </p:txBody>
       </p:sp>
@@ -4069,7 +4056,7 @@
                   </a:innerShdw>
                 </a:effectLst>
               </a:rPr>
-              <a:t>HIP-20</a:t>
+              <a:t>V-Dao Vote</a:t>
             </a:r>
             <a:endParaRPr lang="en-US" sz="9600" b="1" dirty="0">
               <a:ln w="12700">
@@ -4120,7 +4107,7 @@
           <a:p>
             <a:pPr algn="ctr"/>
             <a:r>
-              <a:rPr lang="en-US" sz="5400" b="1" dirty="0" smtClean="0">
+              <a:rPr lang="en-US" sz="5400" b="1" smtClean="0">
                 <a:ln w="12700">
                   <a:noFill/>
                   <a:prstDash val="solid"/>
@@ -4142,7 +4129,32 @@
                   </a:innerShdw>
                 </a:effectLst>
               </a:rPr>
-              <a:t>talk.harmony.one</a:t>
+              <a:t>gov</a:t>
+            </a:r>
+            <a:r>
+              <a:rPr lang="en-US" sz="5400" b="1" smtClean="0">
+                <a:ln w="12700">
+                  <a:noFill/>
+                  <a:prstDash val="solid"/>
+                </a:ln>
+                <a:solidFill>
+                  <a:schemeClr val="bg1"/>
+                </a:solidFill>
+                <a:effectLst>
+                  <a:glow rad="203200">
+                    <a:schemeClr val="tx1">
+                      <a:alpha val="68000"/>
+                    </a:schemeClr>
+                  </a:glow>
+                  <a:innerShdw blurRad="63500" dir="4440000">
+                    <a:schemeClr val="tx2">
+                      <a:lumMod val="50000"/>
+                      <a:alpha val="50000"/>
+                    </a:schemeClr>
+                  </a:innerShdw>
+                </a:effectLst>
+              </a:rPr>
+              <a:t>.harmony.one</a:t>
             </a:r>
             <a:endParaRPr lang="en-US" sz="5400" b="1" dirty="0">
               <a:ln w="12700">
